--- a/seminar/pipe diagram v1.pptx
+++ b/seminar/pipe diagram v1.pptx
@@ -197,7 +197,7 @@
           <a:p>
             <a:fld id="{7D0593B1-3C8D-294C-96E5-4CC6B1EB5D20}" type="datetimeFigureOut">
               <a:rPr lang="de-DE" smtClean="0"/>
-              <a:t>30.05.22</a:t>
+              <a:t>13.06.22</a:t>
             </a:fld>
             <a:endParaRPr lang="de-DE"/>
           </a:p>
@@ -695,7 +695,7 @@
           <a:p>
             <a:fld id="{FDBA45A5-DBC2-D449-BA1E-D23E556848F0}" type="datetimeFigureOut">
               <a:rPr lang="de-DE" smtClean="0"/>
-              <a:t>30.05.22</a:t>
+              <a:t>13.06.22</a:t>
             </a:fld>
             <a:endParaRPr lang="de-DE"/>
           </a:p>
@@ -893,7 +893,7 @@
           <a:p>
             <a:fld id="{FDBA45A5-DBC2-D449-BA1E-D23E556848F0}" type="datetimeFigureOut">
               <a:rPr lang="de-DE" smtClean="0"/>
-              <a:t>30.05.22</a:t>
+              <a:t>13.06.22</a:t>
             </a:fld>
             <a:endParaRPr lang="de-DE"/>
           </a:p>
@@ -1101,7 +1101,7 @@
           <a:p>
             <a:fld id="{FDBA45A5-DBC2-D449-BA1E-D23E556848F0}" type="datetimeFigureOut">
               <a:rPr lang="de-DE" smtClean="0"/>
-              <a:t>30.05.22</a:t>
+              <a:t>13.06.22</a:t>
             </a:fld>
             <a:endParaRPr lang="de-DE"/>
           </a:p>
@@ -1299,7 +1299,7 @@
           <a:p>
             <a:fld id="{FDBA45A5-DBC2-D449-BA1E-D23E556848F0}" type="datetimeFigureOut">
               <a:rPr lang="de-DE" smtClean="0"/>
-              <a:t>30.05.22</a:t>
+              <a:t>13.06.22</a:t>
             </a:fld>
             <a:endParaRPr lang="de-DE"/>
           </a:p>
@@ -1574,7 +1574,7 @@
           <a:p>
             <a:fld id="{FDBA45A5-DBC2-D449-BA1E-D23E556848F0}" type="datetimeFigureOut">
               <a:rPr lang="de-DE" smtClean="0"/>
-              <a:t>30.05.22</a:t>
+              <a:t>13.06.22</a:t>
             </a:fld>
             <a:endParaRPr lang="de-DE"/>
           </a:p>
@@ -1839,7 +1839,7 @@
           <a:p>
             <a:fld id="{FDBA45A5-DBC2-D449-BA1E-D23E556848F0}" type="datetimeFigureOut">
               <a:rPr lang="de-DE" smtClean="0"/>
-              <a:t>30.05.22</a:t>
+              <a:t>13.06.22</a:t>
             </a:fld>
             <a:endParaRPr lang="de-DE"/>
           </a:p>
@@ -2251,7 +2251,7 @@
           <a:p>
             <a:fld id="{FDBA45A5-DBC2-D449-BA1E-D23E556848F0}" type="datetimeFigureOut">
               <a:rPr lang="de-DE" smtClean="0"/>
-              <a:t>30.05.22</a:t>
+              <a:t>13.06.22</a:t>
             </a:fld>
             <a:endParaRPr lang="de-DE"/>
           </a:p>
@@ -2392,7 +2392,7 @@
           <a:p>
             <a:fld id="{FDBA45A5-DBC2-D449-BA1E-D23E556848F0}" type="datetimeFigureOut">
               <a:rPr lang="de-DE" smtClean="0"/>
-              <a:t>30.05.22</a:t>
+              <a:t>13.06.22</a:t>
             </a:fld>
             <a:endParaRPr lang="de-DE"/>
           </a:p>
@@ -2505,7 +2505,7 @@
           <a:p>
             <a:fld id="{FDBA45A5-DBC2-D449-BA1E-D23E556848F0}" type="datetimeFigureOut">
               <a:rPr lang="de-DE" smtClean="0"/>
-              <a:t>30.05.22</a:t>
+              <a:t>13.06.22</a:t>
             </a:fld>
             <a:endParaRPr lang="de-DE"/>
           </a:p>
@@ -2816,7 +2816,7 @@
           <a:p>
             <a:fld id="{FDBA45A5-DBC2-D449-BA1E-D23E556848F0}" type="datetimeFigureOut">
               <a:rPr lang="de-DE" smtClean="0"/>
-              <a:t>30.05.22</a:t>
+              <a:t>13.06.22</a:t>
             </a:fld>
             <a:endParaRPr lang="de-DE"/>
           </a:p>
@@ -3104,7 +3104,7 @@
           <a:p>
             <a:fld id="{FDBA45A5-DBC2-D449-BA1E-D23E556848F0}" type="datetimeFigureOut">
               <a:rPr lang="de-DE" smtClean="0"/>
-              <a:t>30.05.22</a:t>
+              <a:t>13.06.22</a:t>
             </a:fld>
             <a:endParaRPr lang="de-DE"/>
           </a:p>
@@ -3345,7 +3345,7 @@
           <a:p>
             <a:fld id="{FDBA45A5-DBC2-D449-BA1E-D23E556848F0}" type="datetimeFigureOut">
               <a:rPr lang="de-DE" smtClean="0"/>
-              <a:t>30.05.22</a:t>
+              <a:t>13.06.22</a:t>
             </a:fld>
             <a:endParaRPr lang="de-DE"/>
           </a:p>
@@ -3805,62 +3805,17 @@
           <a:p>
             <a:pPr algn="ctr"/>
             <a:r>
-              <a:rPr lang="de-DE" sz="1400" dirty="0"/>
-              <a:t>TOPIC: Analyze </a:t>
-            </a:r>
-            <a:r>
-              <a:rPr lang="de-DE" sz="1400" dirty="0" err="1"/>
-              <a:t>animated</a:t>
-            </a:r>
-            <a:r>
-              <a:rPr lang="de-DE" sz="1400" dirty="0"/>
-              <a:t> </a:t>
-            </a:r>
-            <a:r>
-              <a:rPr lang="de-DE" sz="1400" dirty="0" err="1"/>
-              <a:t>series</a:t>
-            </a:r>
-            <a:r>
-              <a:rPr lang="de-DE" sz="1400" dirty="0"/>
-              <a:t> </a:t>
-            </a:r>
-            <a:r>
-              <a:rPr lang="de-DE" sz="1400" dirty="0" err="1"/>
-              <a:t>for</a:t>
-            </a:r>
-            <a:r>
-              <a:rPr lang="de-DE" sz="1400" dirty="0"/>
-              <a:t> </a:t>
-            </a:r>
-            <a:r>
-              <a:rPr lang="de-DE" sz="1400" dirty="0" err="1"/>
-              <a:t>children</a:t>
-            </a:r>
-            <a:r>
-              <a:rPr lang="de-DE" sz="1400" dirty="0"/>
-              <a:t> </a:t>
-            </a:r>
-            <a:r>
-              <a:rPr lang="de-DE" sz="1400" dirty="0" err="1"/>
-              <a:t>according</a:t>
-            </a:r>
-            <a:r>
-              <a:rPr lang="de-DE" sz="1400" dirty="0"/>
-              <a:t> </a:t>
-            </a:r>
-            <a:r>
-              <a:rPr lang="de-DE" sz="1400" dirty="0" err="1"/>
-              <a:t>to</a:t>
-            </a:r>
-            <a:r>
-              <a:rPr lang="de-DE" sz="1400" dirty="0"/>
-              <a:t> </a:t>
-            </a:r>
-            <a:r>
-              <a:rPr lang="de-DE" sz="1400" dirty="0" err="1"/>
-              <a:t>hypothesis</a:t>
-            </a:r>
-            <a:endParaRPr lang="de-DE" sz="1400" dirty="0"/>
+              <a:rPr lang="en-GB" sz="1400" dirty="0"/>
+              <a:t>TOPIC: </a:t>
+            </a:r>
+            <a:r>
+              <a:rPr lang="en-GB" sz="1400" dirty="0" err="1"/>
+              <a:t>Analyze</a:t>
+            </a:r>
+            <a:r>
+              <a:rPr lang="en-GB" sz="1400" dirty="0"/>
+              <a:t> animated series for children according to hypothesis</a:t>
+            </a:r>
           </a:p>
         </p:txBody>
       </p:sp>
@@ -3915,22 +3870,9 @@
           <a:p>
             <a:pPr algn="ctr"/>
             <a:r>
-              <a:rPr lang="de-DE" sz="1200" dirty="0"/>
-              <a:t>B. WEB SCRAPING </a:t>
-            </a:r>
-            <a:r>
-              <a:rPr lang="de-DE" sz="1200" dirty="0" err="1"/>
-              <a:t>the</a:t>
-            </a:r>
-            <a:r>
-              <a:rPr lang="de-DE" sz="1200" dirty="0"/>
-              <a:t> </a:t>
-            </a:r>
-            <a:r>
-              <a:rPr lang="de-DE" sz="1200" dirty="0" err="1"/>
-              <a:t>transcripts</a:t>
-            </a:r>
-            <a:endParaRPr lang="de-DE" sz="1200" dirty="0"/>
+              <a:rPr lang="en-GB" sz="1200"/>
+              <a:t>B. WEB SCRAPING the transcripts</a:t>
+            </a:r>
           </a:p>
         </p:txBody>
       </p:sp>
@@ -3985,7 +3927,7 @@
           <a:p>
             <a:pPr algn="ctr"/>
             <a:r>
-              <a:rPr lang="de-DE" sz="1200" dirty="0"/>
+              <a:rPr lang="en-GB" sz="1200"/>
               <a:t>A. SELECTION</a:t>
             </a:r>
           </a:p>
@@ -4042,22 +3984,9 @@
           <a:p>
             <a:pPr algn="ctr"/>
             <a:r>
-              <a:rPr lang="de-DE" sz="1200" dirty="0"/>
-              <a:t>C . WEB SCRAPING </a:t>
-            </a:r>
-            <a:r>
-              <a:rPr lang="de-DE" sz="1200" dirty="0" err="1"/>
-              <a:t>of</a:t>
-            </a:r>
-            <a:r>
-              <a:rPr lang="de-DE" sz="1200" dirty="0"/>
-              <a:t> </a:t>
-            </a:r>
-            <a:r>
-              <a:rPr lang="de-DE" sz="1200" dirty="0" err="1"/>
-              <a:t>medadata</a:t>
-            </a:r>
-            <a:endParaRPr lang="de-DE" sz="1200" dirty="0"/>
+              <a:rPr lang="en-GB" sz="1200"/>
+              <a:t>C . WEB SCRAPING of medadata</a:t>
+            </a:r>
           </a:p>
         </p:txBody>
       </p:sp>
@@ -4112,7 +4041,7 @@
           <a:p>
             <a:pPr algn="ctr"/>
             <a:r>
-              <a:rPr lang="de-DE" sz="1200" dirty="0"/>
+              <a:rPr lang="en-GB" sz="1200"/>
               <a:t>D. ANALYSE DATA</a:t>
             </a:r>
           </a:p>
@@ -4167,34 +4096,9 @@
           <a:p>
             <a:pPr algn="ctr"/>
             <a:r>
-              <a:rPr lang="de-DE" sz="1200" dirty="0" err="1"/>
-              <a:t>research</a:t>
-            </a:r>
-            <a:r>
-              <a:rPr lang="de-DE" sz="1200" dirty="0"/>
-              <a:t> TV-</a:t>
-            </a:r>
-            <a:r>
-              <a:rPr lang="de-DE" sz="1200" dirty="0" err="1"/>
-              <a:t>series</a:t>
-            </a:r>
-            <a:r>
-              <a:rPr lang="de-DE" sz="1200" dirty="0"/>
-              <a:t> </a:t>
-            </a:r>
-            <a:r>
-              <a:rPr lang="de-DE" sz="1200" dirty="0" err="1"/>
-              <a:t>with</a:t>
-            </a:r>
-            <a:r>
-              <a:rPr lang="de-DE" sz="1200" dirty="0"/>
-              <a:t> high </a:t>
-            </a:r>
-            <a:r>
-              <a:rPr lang="de-DE" sz="1200" dirty="0" err="1"/>
-              <a:t>demand</a:t>
-            </a:r>
-            <a:endParaRPr lang="de-DE" sz="1200" dirty="0"/>
+              <a:rPr lang="en-GB" sz="1200"/>
+              <a:t>research TV-series with high demand</a:t>
+            </a:r>
           </a:p>
         </p:txBody>
       </p:sp>
@@ -4247,7 +4151,7 @@
           <a:p>
             <a:pPr algn="ctr"/>
             <a:r>
-              <a:rPr lang="en-US" sz="1200" dirty="0"/>
+              <a:rPr lang="en-GB" sz="1200"/>
               <a:t>research availability of transcripts</a:t>
             </a:r>
           </a:p>
@@ -4302,30 +4206,9 @@
           <a:p>
             <a:pPr algn="ctr"/>
             <a:r>
-              <a:rPr lang="de-DE" sz="1200" dirty="0"/>
-              <a:t>check </a:t>
-            </a:r>
-            <a:r>
-              <a:rPr lang="de-DE" sz="1200" dirty="0" err="1"/>
-              <a:t>quality</a:t>
-            </a:r>
-            <a:r>
-              <a:rPr lang="de-DE" sz="1200" dirty="0"/>
-              <a:t> </a:t>
-            </a:r>
-            <a:r>
-              <a:rPr lang="de-DE" sz="1200" dirty="0" err="1"/>
-              <a:t>of</a:t>
-            </a:r>
-            <a:r>
-              <a:rPr lang="de-DE" sz="1200" dirty="0"/>
-              <a:t> </a:t>
-            </a:r>
-            <a:r>
-              <a:rPr lang="de-DE" sz="1200" dirty="0" err="1"/>
-              <a:t>transcripts</a:t>
-            </a:r>
-            <a:endParaRPr lang="de-DE" sz="1200" dirty="0"/>
+              <a:rPr lang="en-GB" sz="1200"/>
+              <a:t>check quality of transcripts</a:t>
+            </a:r>
           </a:p>
         </p:txBody>
       </p:sp>
@@ -4380,28 +4263,15 @@
           <a:p>
             <a:pPr algn="ctr"/>
             <a:r>
-              <a:rPr lang="de-DE" sz="1200" dirty="0" err="1"/>
-              <a:t>complete</a:t>
-            </a:r>
-            <a:r>
-              <a:rPr lang="de-DE" sz="1200" dirty="0"/>
-              <a:t> </a:t>
-            </a:r>
-            <a:r>
-              <a:rPr lang="de-DE" sz="1200" dirty="0" err="1"/>
-              <a:t>process</a:t>
-            </a:r>
-            <a:endParaRPr lang="de-DE" sz="1200" dirty="0"/>
+              <a:rPr lang="en-GB" sz="1200"/>
+              <a:t>complete process</a:t>
+            </a:r>
           </a:p>
           <a:p>
             <a:pPr algn="ctr"/>
             <a:r>
-              <a:rPr lang="de-DE" sz="1200" dirty="0" err="1"/>
-              <a:t>result</a:t>
-            </a:r>
-            <a:r>
-              <a:rPr lang="de-DE" sz="1200" dirty="0"/>
-              <a:t>: Series v3.xlsx</a:t>
+              <a:rPr lang="en-GB" sz="1200"/>
+              <a:t>result: Series v3.xlsx</a:t>
             </a:r>
           </a:p>
         </p:txBody>
@@ -4459,7 +4329,7 @@
           <a:p>
             <a:pPr algn="ctr"/>
             <a:r>
-              <a:rPr lang="de-DE" dirty="0"/>
+              <a:rPr lang="en-GB"/>
               <a:t>K E Y   S T E P S</a:t>
             </a:r>
           </a:p>
@@ -4514,19 +4384,15 @@
           <a:p>
             <a:pPr algn="ctr"/>
             <a:r>
-              <a:rPr lang="de-DE" sz="1200" dirty="0"/>
+              <a:rPr lang="en-GB" sz="1200"/>
               <a:t>find </a:t>
             </a:r>
           </a:p>
           <a:p>
             <a:pPr algn="ctr"/>
             <a:r>
-              <a:rPr lang="de-DE" sz="1200" dirty="0" err="1"/>
-              <a:t>overview-html</a:t>
-            </a:r>
-            <a:r>
-              <a:rPr lang="de-DE" sz="1200" dirty="0"/>
-              <a:t>(s)</a:t>
+              <a:rPr lang="en-GB" sz="1200"/>
+              <a:t>overview-html(s)</a:t>
             </a:r>
           </a:p>
         </p:txBody>
@@ -4580,50 +4446,9 @@
           <a:p>
             <a:pPr algn="ctr"/>
             <a:r>
-              <a:rPr lang="de-DE" sz="1200" dirty="0" err="1"/>
-              <a:t>analyze</a:t>
-            </a:r>
-            <a:r>
-              <a:rPr lang="de-DE" sz="1200" dirty="0"/>
-              <a:t> </a:t>
-            </a:r>
-            <a:r>
-              <a:rPr lang="de-DE" sz="1200" dirty="0" err="1"/>
-              <a:t>html</a:t>
-            </a:r>
-            <a:r>
-              <a:rPr lang="de-DE" sz="1200" dirty="0"/>
-              <a:t> </a:t>
-            </a:r>
-            <a:r>
-              <a:rPr lang="de-DE" sz="1200" dirty="0" err="1"/>
-              <a:t>to</a:t>
-            </a:r>
-            <a:r>
-              <a:rPr lang="de-DE" sz="1200" dirty="0"/>
-              <a:t> </a:t>
-            </a:r>
-            <a:r>
-              <a:rPr lang="de-DE" sz="1200" dirty="0" err="1"/>
-              <a:t>exclude</a:t>
-            </a:r>
-            <a:r>
-              <a:rPr lang="de-DE" sz="1200" dirty="0"/>
-              <a:t> links </a:t>
-            </a:r>
-            <a:r>
-              <a:rPr lang="de-DE" sz="1200" dirty="0" err="1"/>
-              <a:t>to</a:t>
-            </a:r>
-            <a:r>
-              <a:rPr lang="de-DE" sz="1200" dirty="0"/>
-              <a:t> </a:t>
-            </a:r>
-            <a:r>
-              <a:rPr lang="de-DE" sz="1200" dirty="0" err="1"/>
-              <a:t>transcripts</a:t>
-            </a:r>
-            <a:endParaRPr lang="de-DE" sz="1200" dirty="0"/>
+              <a:rPr lang="en-GB" sz="1200"/>
+              <a:t>analyze html to exclude links to transcripts</a:t>
+            </a:r>
           </a:p>
         </p:txBody>
       </p:sp>
@@ -4680,7 +4505,7 @@
           <a:p>
             <a:pPr algn="ctr"/>
             <a:r>
-              <a:rPr lang="de-DE" dirty="0"/>
+              <a:rPr lang="en-GB"/>
               <a:t>F O R   E A C H   S E R I E S</a:t>
             </a:r>
           </a:p>
@@ -4735,50 +4560,9 @@
           <a:p>
             <a:pPr algn="ctr"/>
             <a:r>
-              <a:rPr lang="de-DE" sz="1200" dirty="0" err="1"/>
-              <a:t>analyze</a:t>
-            </a:r>
-            <a:r>
-              <a:rPr lang="de-DE" sz="1200" dirty="0"/>
-              <a:t> </a:t>
-            </a:r>
-            <a:r>
-              <a:rPr lang="de-DE" sz="1200" dirty="0" err="1"/>
-              <a:t>transcript-htmls</a:t>
-            </a:r>
-            <a:r>
-              <a:rPr lang="de-DE" sz="1200" dirty="0"/>
-              <a:t> </a:t>
-            </a:r>
-            <a:r>
-              <a:rPr lang="de-DE" sz="1200" dirty="0" err="1"/>
-              <a:t>to</a:t>
-            </a:r>
-            <a:r>
-              <a:rPr lang="de-DE" sz="1200" dirty="0"/>
-              <a:t> </a:t>
-            </a:r>
-            <a:r>
-              <a:rPr lang="de-DE" sz="1200" dirty="0" err="1"/>
-              <a:t>scrape</a:t>
-            </a:r>
-            <a:r>
-              <a:rPr lang="de-DE" sz="1200" dirty="0"/>
-              <a:t> an </a:t>
-            </a:r>
-            <a:r>
-              <a:rPr lang="de-DE" sz="1200" dirty="0" err="1"/>
-              <a:t>episodes</a:t>
-            </a:r>
-            <a:r>
-              <a:rPr lang="de-DE" sz="1200" dirty="0"/>
-              <a:t> </a:t>
-            </a:r>
-            <a:r>
-              <a:rPr lang="de-DE" sz="1200" dirty="0" err="1"/>
-              <a:t>transcripts</a:t>
-            </a:r>
-            <a:endParaRPr lang="de-DE" sz="1200" dirty="0"/>
+              <a:rPr lang="en-GB" sz="1200"/>
+              <a:t>analyze transcript-htmls to scrape an episodes transcripts</a:t>
+            </a:r>
           </a:p>
         </p:txBody>
       </p:sp>
@@ -4831,18 +4615,9 @@
           <a:p>
             <a:pPr algn="ctr"/>
             <a:r>
-              <a:rPr lang="de-DE" sz="1200" dirty="0" err="1"/>
-              <a:t>write</a:t>
-            </a:r>
-            <a:r>
-              <a:rPr lang="de-DE" sz="1200" dirty="0"/>
-              <a:t> R </a:t>
-            </a:r>
-            <a:r>
-              <a:rPr lang="de-DE" sz="1200" dirty="0" err="1"/>
-              <a:t>script</a:t>
-            </a:r>
-            <a:endParaRPr lang="de-DE" sz="1200" dirty="0"/>
+              <a:rPr lang="en-GB" sz="1200"/>
+              <a:t>write R script</a:t>
+            </a:r>
           </a:p>
         </p:txBody>
       </p:sp>
@@ -4897,42 +4672,16 @@
           <a:p>
             <a:pPr algn="ctr"/>
             <a:r>
-              <a:rPr lang="de-DE" sz="1200" dirty="0" err="1"/>
-              <a:t>complete</a:t>
-            </a:r>
-            <a:r>
-              <a:rPr lang="de-DE" sz="1200" dirty="0"/>
-              <a:t> </a:t>
-            </a:r>
-            <a:r>
-              <a:rPr lang="de-DE" sz="1200" dirty="0" err="1"/>
-              <a:t>process</a:t>
-            </a:r>
-            <a:endParaRPr lang="de-DE" sz="1200" dirty="0"/>
+              <a:rPr lang="en-GB" sz="1200"/>
+              <a:t>complete process</a:t>
+            </a:r>
           </a:p>
           <a:p>
             <a:pPr algn="ctr"/>
             <a:r>
-              <a:rPr lang="de-DE" sz="1200" dirty="0" err="1"/>
-              <a:t>result</a:t>
-            </a:r>
-            <a:r>
-              <a:rPr lang="de-DE" sz="1200" dirty="0"/>
-              <a:t>: </a:t>
-            </a:r>
-            <a:r>
-              <a:rPr lang="de-DE" sz="1200" dirty="0" err="1"/>
-              <a:t>cleaning</a:t>
-            </a:r>
-            <a:r>
-              <a:rPr lang="de-DE" sz="1200" dirty="0"/>
-              <a:t> </a:t>
-            </a:r>
-            <a:r>
-              <a:rPr lang="de-DE" sz="1200" dirty="0" err="1"/>
-              <a:t>scripts</a:t>
-            </a:r>
-            <a:endParaRPr lang="de-DE" sz="1200" dirty="0"/>
+              <a:rPr lang="en-GB" sz="1200"/>
+              <a:t>result: cleaning scripts</a:t>
+            </a:r>
           </a:p>
         </p:txBody>
       </p:sp>
@@ -4985,16 +4734,8 @@
           <a:p>
             <a:pPr algn="ctr"/>
             <a:r>
-              <a:rPr lang="de-DE" sz="1200" dirty="0"/>
-              <a:t>find reliable </a:t>
-            </a:r>
-            <a:r>
-              <a:rPr lang="de-DE" sz="1200" dirty="0" err="1"/>
-              <a:t>metadata</a:t>
-            </a:r>
-            <a:r>
-              <a:rPr lang="de-DE" sz="1200" dirty="0"/>
-              <a:t> online</a:t>
+              <a:rPr lang="en-GB" sz="1200"/>
+              <a:t>find reliable metadata online</a:t>
             </a:r>
           </a:p>
         </p:txBody>
@@ -5048,50 +4789,9 @@
           <a:p>
             <a:pPr algn="ctr"/>
             <a:r>
-              <a:rPr lang="de-DE" sz="1200" dirty="0" err="1"/>
-              <a:t>write</a:t>
-            </a:r>
-            <a:r>
-              <a:rPr lang="de-DE" sz="1200" dirty="0"/>
-              <a:t> R </a:t>
-            </a:r>
-            <a:r>
-              <a:rPr lang="de-DE" sz="1200" dirty="0" err="1"/>
-              <a:t>script</a:t>
-            </a:r>
-            <a:r>
-              <a:rPr lang="de-DE" sz="1200" dirty="0"/>
-              <a:t> </a:t>
-            </a:r>
-            <a:r>
-              <a:rPr lang="de-DE" sz="1200" dirty="0" err="1"/>
-              <a:t>to</a:t>
-            </a:r>
-            <a:r>
-              <a:rPr lang="de-DE" sz="1200" dirty="0"/>
-              <a:t> web </a:t>
-            </a:r>
-            <a:r>
-              <a:rPr lang="de-DE" sz="1200" dirty="0" err="1"/>
-              <a:t>scrape</a:t>
-            </a:r>
-            <a:r>
-              <a:rPr lang="de-DE" sz="1200" dirty="0"/>
-              <a:t> </a:t>
-            </a:r>
-            <a:r>
-              <a:rPr lang="de-DE" sz="1200" dirty="0" err="1"/>
-              <a:t>the</a:t>
-            </a:r>
-            <a:r>
-              <a:rPr lang="de-DE" sz="1200" dirty="0"/>
-              <a:t>  </a:t>
-            </a:r>
-            <a:r>
-              <a:rPr lang="de-DE" sz="1200" dirty="0" err="1"/>
-              <a:t>metadata</a:t>
-            </a:r>
-            <a:endParaRPr lang="de-DE" sz="1200" dirty="0"/>
+              <a:rPr lang="en-GB" sz="1200"/>
+              <a:t>write R script to web scrape the  metadata</a:t>
+            </a:r>
           </a:p>
         </p:txBody>
       </p:sp>
@@ -5144,48 +4844,8 @@
           <a:p>
             <a:pPr algn="ctr"/>
             <a:r>
-              <a:rPr lang="de-DE" sz="1200" dirty="0"/>
-              <a:t>clean </a:t>
-            </a:r>
-            <a:r>
-              <a:rPr lang="de-DE" sz="1200" dirty="0" err="1"/>
-              <a:t>up</a:t>
-            </a:r>
-            <a:r>
-              <a:rPr lang="de-DE" sz="1200" dirty="0"/>
-              <a:t> </a:t>
-            </a:r>
-            <a:r>
-              <a:rPr lang="de-DE" sz="1200" dirty="0" err="1"/>
-              <a:t>imported</a:t>
-            </a:r>
-            <a:r>
-              <a:rPr lang="de-DE" sz="1200" dirty="0"/>
-              <a:t> </a:t>
-            </a:r>
-            <a:r>
-              <a:rPr lang="de-DE" sz="1200" dirty="0" err="1"/>
-              <a:t>table</a:t>
-            </a:r>
-            <a:r>
-              <a:rPr lang="de-DE" sz="1200" dirty="0"/>
-              <a:t>(s), clean and </a:t>
-            </a:r>
-            <a:r>
-              <a:rPr lang="de-DE" sz="1200" dirty="0" err="1"/>
-              <a:t>combine</a:t>
-            </a:r>
-            <a:r>
-              <a:rPr lang="de-DE" sz="1200" dirty="0"/>
-              <a:t> </a:t>
-            </a:r>
-            <a:r>
-              <a:rPr lang="de-DE" sz="1200" dirty="0" err="1"/>
-              <a:t>table</a:t>
-            </a:r>
-            <a:r>
-              <a:rPr lang="de-DE" sz="1200" dirty="0"/>
-              <a:t>(s)</a:t>
+              <a:rPr lang="en-GB" sz="1200"/>
+              <a:t>clean up imported table(s), clean and combine table(s)</a:t>
             </a:r>
           </a:p>
         </p:txBody>
@@ -5241,7 +4901,7 @@
           <a:lstStyle/>
           <a:p>
             <a:pPr algn="ctr"/>
-            <a:endParaRPr lang="de-DE"/>
+            <a:endParaRPr lang="en-GB"/>
           </a:p>
         </p:txBody>
       </p:sp>
@@ -5297,10 +4957,9 @@
           <a:p>
             <a:pPr algn="ctr"/>
             <a:r>
-              <a:rPr lang="de-DE" sz="1200" dirty="0" err="1"/>
+              <a:rPr lang="en-GB" sz="1200"/>
               <a:t>troubleshoot</a:t>
             </a:r>
-            <a:endParaRPr lang="de-DE" sz="1200" dirty="0"/>
           </a:p>
         </p:txBody>
       </p:sp>
@@ -5355,7 +5014,7 @@
           <a:lstStyle/>
           <a:p>
             <a:pPr algn="ctr"/>
-            <a:endParaRPr lang="de-DE"/>
+            <a:endParaRPr lang="en-GB"/>
           </a:p>
         </p:txBody>
       </p:sp>
@@ -5410,7 +5069,7 @@
           <a:lstStyle/>
           <a:p>
             <a:pPr algn="ctr"/>
-            <a:endParaRPr lang="de-DE" dirty="0"/>
+            <a:endParaRPr lang="en-GB"/>
           </a:p>
         </p:txBody>
       </p:sp>
@@ -5465,7 +5124,7 @@
           <a:lstStyle/>
           <a:p>
             <a:pPr algn="ctr"/>
-            <a:endParaRPr lang="de-DE" dirty="0"/>
+            <a:endParaRPr lang="en-GB"/>
           </a:p>
         </p:txBody>
       </p:sp>
@@ -5520,42 +5179,16 @@
           <a:p>
             <a:pPr algn="ctr"/>
             <a:r>
-              <a:rPr lang="de-DE" sz="1200" dirty="0" err="1"/>
-              <a:t>complete</a:t>
-            </a:r>
-            <a:r>
-              <a:rPr lang="de-DE" sz="1200" dirty="0"/>
-              <a:t> </a:t>
-            </a:r>
-            <a:r>
-              <a:rPr lang="de-DE" sz="1200" dirty="0" err="1"/>
-              <a:t>process</a:t>
-            </a:r>
-            <a:endParaRPr lang="de-DE" sz="1200" dirty="0"/>
+              <a:rPr lang="en-GB" sz="1200"/>
+              <a:t>complete process</a:t>
+            </a:r>
           </a:p>
           <a:p>
             <a:pPr algn="ctr"/>
             <a:r>
-              <a:rPr lang="de-DE" sz="1200" dirty="0" err="1"/>
-              <a:t>result</a:t>
-            </a:r>
-            <a:r>
-              <a:rPr lang="de-DE" sz="1200" dirty="0"/>
-              <a:t>: </a:t>
-            </a:r>
-            <a:r>
-              <a:rPr lang="de-DE" sz="1200" dirty="0" err="1"/>
-              <a:t>metadata</a:t>
-            </a:r>
-            <a:r>
-              <a:rPr lang="de-DE" sz="1200" dirty="0"/>
-              <a:t> </a:t>
-            </a:r>
-            <a:r>
-              <a:rPr lang="de-DE" sz="1200" dirty="0" err="1"/>
-              <a:t>scripts</a:t>
-            </a:r>
-            <a:endParaRPr lang="de-DE" sz="1200" dirty="0"/>
+              <a:rPr lang="en-GB" sz="1200"/>
+              <a:t>result: metadata scripts</a:t>
+            </a:r>
           </a:p>
         </p:txBody>
       </p:sp>
@@ -5608,14 +5241,9 @@
           <a:p>
             <a:pPr algn="ctr"/>
             <a:r>
-              <a:rPr lang="de-DE" sz="1200" dirty="0"/>
-              <a:t>Analyse </a:t>
-            </a:r>
-            <a:r>
-              <a:rPr lang="de-DE" sz="1200" dirty="0" err="1"/>
-              <a:t>dialogs</a:t>
-            </a:r>
-            <a:endParaRPr lang="de-DE" sz="1200" dirty="0"/>
+              <a:rPr lang="en-GB" sz="1200" dirty="0"/>
+              <a:t>analyse dialogs</a:t>
+            </a:r>
           </a:p>
         </p:txBody>
       </p:sp>
@@ -5670,25 +5298,16 @@
           <a:p>
             <a:pPr algn="ctr"/>
             <a:r>
-              <a:rPr lang="de-DE" sz="1200" dirty="0"/>
+              <a:rPr lang="en-GB" sz="1200"/>
               <a:t>D . CLEANING </a:t>
             </a:r>
           </a:p>
           <a:p>
             <a:pPr algn="ctr"/>
             <a:r>
-              <a:rPr lang="de-DE" sz="1200" dirty="0" err="1"/>
-              <a:t>the</a:t>
-            </a:r>
-            <a:r>
-              <a:rPr lang="de-DE" sz="1200" dirty="0"/>
-              <a:t> </a:t>
-            </a:r>
-            <a:r>
-              <a:rPr lang="de-DE" sz="1200" dirty="0" err="1"/>
-              <a:t>transcripts</a:t>
-            </a:r>
-            <a:endParaRPr lang="de-DE" sz="1200" dirty="0"/>
+              <a:rPr lang="en-GB" sz="1200"/>
+              <a:t>the transcripts</a:t>
+            </a:r>
           </a:p>
         </p:txBody>
       </p:sp>
@@ -5741,58 +5360,24 @@
           <a:p>
             <a:pPr algn="ctr"/>
             <a:r>
-              <a:rPr lang="de-DE" sz="1200" dirty="0"/>
-              <a:t>Clean: Character </a:t>
-            </a:r>
-            <a:r>
-              <a:rPr lang="de-DE" sz="1200" dirty="0" err="1"/>
-              <a:t>names</a:t>
-            </a:r>
-            <a:r>
-              <a:rPr lang="de-DE" sz="1200" dirty="0"/>
-              <a:t>, </a:t>
-            </a:r>
-            <a:r>
-              <a:rPr lang="de-DE" sz="1200" dirty="0" err="1"/>
-              <a:t>dialog</a:t>
-            </a:r>
-            <a:r>
-              <a:rPr lang="de-DE" sz="1200" dirty="0"/>
-              <a:t> </a:t>
-            </a:r>
-            <a:r>
-              <a:rPr lang="de-DE" sz="1200" dirty="0" err="1"/>
-              <a:t>lines</a:t>
-            </a:r>
-            <a:endParaRPr lang="de-DE" sz="1200" dirty="0"/>
+              <a:rPr lang="en-GB" sz="1200" dirty="0"/>
+              <a:t>clean: Character names, dialog lines</a:t>
+            </a:r>
           </a:p>
           <a:p>
             <a:pPr algn="ctr"/>
             <a:r>
-              <a:rPr lang="de-DE" sz="1200" dirty="0"/>
-              <a:t>Delete </a:t>
-            </a:r>
-            <a:r>
-              <a:rPr lang="de-DE" sz="1200" dirty="0" err="1"/>
-              <a:t>scene</a:t>
-            </a:r>
-            <a:r>
-              <a:rPr lang="de-DE" sz="1200" dirty="0"/>
-              <a:t> </a:t>
-            </a:r>
-            <a:r>
-              <a:rPr lang="de-DE" sz="1200" dirty="0" err="1"/>
-              <a:t>information</a:t>
-            </a:r>
-            <a:r>
-              <a:rPr lang="de-DE" sz="1200" dirty="0"/>
-              <a:t>,  </a:t>
-            </a:r>
-            <a:r>
-              <a:rPr lang="de-DE" sz="1200" dirty="0" err="1"/>
-              <a:t>expressions</a:t>
-            </a:r>
-            <a:endParaRPr lang="de-DE" sz="1200" dirty="0"/>
+              <a:rPr lang="en-GB" sz="1200" dirty="0"/>
+              <a:t>d</a:t>
+            </a:r>
+            <a:r>
+              <a:rPr lang="en-GB" sz="1200"/>
+              <a:t>elete </a:t>
+            </a:r>
+            <a:r>
+              <a:rPr lang="en-GB" sz="1200" dirty="0"/>
+              <a:t>scene information,  expressions</a:t>
+            </a:r>
           </a:p>
         </p:txBody>
       </p:sp>
@@ -5845,38 +5430,13 @@
           <a:p>
             <a:pPr algn="ctr"/>
             <a:r>
-              <a:rPr lang="de-DE" sz="1200" dirty="0"/>
-              <a:t>Analyze organizational </a:t>
-            </a:r>
-            <a:r>
-              <a:rPr lang="de-DE" sz="1200" dirty="0" err="1"/>
-              <a:t>structure</a:t>
-            </a:r>
-            <a:r>
-              <a:rPr lang="de-DE" sz="1200" dirty="0"/>
-              <a:t> </a:t>
-            </a:r>
-            <a:r>
-              <a:rPr lang="de-DE" sz="1200" dirty="0" err="1"/>
-              <a:t>of</a:t>
-            </a:r>
-            <a:r>
-              <a:rPr lang="de-DE" sz="1200" dirty="0"/>
-              <a:t> </a:t>
-            </a:r>
-            <a:r>
-              <a:rPr lang="de-DE" sz="1200" dirty="0" err="1"/>
-              <a:t>scraped</a:t>
-            </a:r>
-            <a:r>
-              <a:rPr lang="de-DE" sz="1200" dirty="0"/>
-              <a:t> </a:t>
-            </a:r>
-            <a:r>
-              <a:rPr lang="de-DE" sz="1200" dirty="0" err="1"/>
-              <a:t>transcripts</a:t>
-            </a:r>
-            <a:endParaRPr lang="de-DE" sz="1200" dirty="0"/>
+              <a:rPr lang="en-GB" sz="1200" dirty="0" err="1"/>
+              <a:t>analyze</a:t>
+            </a:r>
+            <a:r>
+              <a:rPr lang="en-GB" sz="1200" dirty="0"/>
+              <a:t> organizational structure of scraped transcripts</a:t>
+            </a:r>
           </a:p>
         </p:txBody>
       </p:sp>
@@ -5931,7 +5491,7 @@
           <a:lstStyle/>
           <a:p>
             <a:pPr algn="ctr"/>
-            <a:endParaRPr lang="de-DE" dirty="0"/>
+            <a:endParaRPr lang="en-GB"/>
           </a:p>
         </p:txBody>
       </p:sp>
@@ -5986,7 +5546,7 @@
           <a:lstStyle/>
           <a:p>
             <a:pPr algn="ctr"/>
-            <a:endParaRPr lang="de-DE" dirty="0"/>
+            <a:endParaRPr lang="en-GB"/>
           </a:p>
         </p:txBody>
       </p:sp>
@@ -6041,42 +5601,16 @@
           <a:p>
             <a:pPr algn="ctr"/>
             <a:r>
-              <a:rPr lang="de-DE" sz="1200" dirty="0" err="1"/>
-              <a:t>complete</a:t>
-            </a:r>
-            <a:r>
-              <a:rPr lang="de-DE" sz="1200" dirty="0"/>
-              <a:t> </a:t>
-            </a:r>
-            <a:r>
-              <a:rPr lang="de-DE" sz="1200" dirty="0" err="1"/>
-              <a:t>process</a:t>
-            </a:r>
-            <a:endParaRPr lang="de-DE" sz="1200" dirty="0"/>
+              <a:rPr lang="en-GB" sz="1200" dirty="0"/>
+              <a:t>complete process</a:t>
+            </a:r>
           </a:p>
           <a:p>
             <a:pPr algn="ctr"/>
             <a:r>
-              <a:rPr lang="de-DE" sz="1200" dirty="0" err="1"/>
-              <a:t>result</a:t>
-            </a:r>
-            <a:r>
-              <a:rPr lang="de-DE" sz="1200" dirty="0"/>
-              <a:t>: </a:t>
-            </a:r>
-            <a:r>
-              <a:rPr lang="de-DE" sz="1200" dirty="0" err="1"/>
-              <a:t>cleaning</a:t>
-            </a:r>
-            <a:r>
-              <a:rPr lang="de-DE" sz="1200" dirty="0"/>
-              <a:t> </a:t>
-            </a:r>
-            <a:r>
-              <a:rPr lang="de-DE" sz="1200" dirty="0" err="1"/>
-              <a:t>scripts</a:t>
-            </a:r>
-            <a:endParaRPr lang="de-DE" sz="1200" dirty="0"/>
+              <a:rPr lang="en-GB" sz="1200" dirty="0"/>
+              <a:t>result: cleaning scripts</a:t>
+            </a:r>
           </a:p>
         </p:txBody>
       </p:sp>
@@ -6131,7 +5665,7 @@
           <a:lstStyle/>
           <a:p>
             <a:pPr algn="ctr"/>
-            <a:endParaRPr lang="de-DE" dirty="0"/>
+            <a:endParaRPr lang="en-GB"/>
           </a:p>
         </p:txBody>
       </p:sp>
@@ -6184,14 +5718,9 @@
           <a:p>
             <a:pPr algn="ctr"/>
             <a:r>
-              <a:rPr lang="de-DE" sz="1200" dirty="0"/>
-              <a:t>Analyse </a:t>
-            </a:r>
-            <a:r>
-              <a:rPr lang="de-DE" sz="1200" dirty="0" err="1"/>
-              <a:t>lines</a:t>
-            </a:r>
-            <a:endParaRPr lang="de-DE" sz="1200" dirty="0"/>
+              <a:rPr lang="en-GB" sz="1200" dirty="0"/>
+              <a:t>analyse lines</a:t>
+            </a:r>
           </a:p>
         </p:txBody>
       </p:sp>
@@ -6244,14 +5773,9 @@
           <a:p>
             <a:pPr algn="ctr"/>
             <a:r>
-              <a:rPr lang="de-DE" sz="1200" dirty="0"/>
-              <a:t>Analyse </a:t>
-            </a:r>
-            <a:r>
-              <a:rPr lang="de-DE" sz="1200" dirty="0" err="1"/>
-              <a:t>sociogram</a:t>
-            </a:r>
-            <a:endParaRPr lang="de-DE" sz="1200" dirty="0"/>
+              <a:rPr lang="en-GB" sz="1200" dirty="0"/>
+              <a:t>analyse sociogram</a:t>
+            </a:r>
           </a:p>
         </p:txBody>
       </p:sp>
@@ -6304,44 +5828,8 @@
           <a:p>
             <a:pPr algn="ctr"/>
             <a:r>
-              <a:rPr lang="de-DE" sz="1200" dirty="0" err="1"/>
-              <a:t>who</a:t>
-            </a:r>
-            <a:r>
-              <a:rPr lang="de-DE" sz="1200" dirty="0"/>
-              <a:t> </a:t>
-            </a:r>
-            <a:r>
-              <a:rPr lang="de-DE" sz="1200" dirty="0" err="1"/>
-              <a:t>is</a:t>
-            </a:r>
-            <a:r>
-              <a:rPr lang="de-DE" sz="1200" dirty="0"/>
-              <a:t> </a:t>
-            </a:r>
-            <a:r>
-              <a:rPr lang="de-DE" sz="1200" dirty="0" err="1"/>
-              <a:t>talking</a:t>
-            </a:r>
-            <a:r>
-              <a:rPr lang="de-DE" sz="1200" dirty="0"/>
-              <a:t> </a:t>
-            </a:r>
-            <a:r>
-              <a:rPr lang="de-DE" sz="1200" dirty="0" err="1"/>
-              <a:t>to</a:t>
-            </a:r>
-            <a:r>
-              <a:rPr lang="de-DE" sz="1200" dirty="0"/>
-              <a:t> </a:t>
-            </a:r>
-            <a:r>
-              <a:rPr lang="de-DE" sz="1200" dirty="0" err="1"/>
-              <a:t>whom</a:t>
-            </a:r>
-            <a:r>
-              <a:rPr lang="de-DE" sz="1200" dirty="0"/>
-              <a:t> </a:t>
+              <a:rPr lang="en-GB" sz="1200"/>
+              <a:t>who is talking to whom </a:t>
             </a:r>
           </a:p>
         </p:txBody>
@@ -6395,60 +5883,8 @@
           <a:p>
             <a:pPr algn="ctr"/>
             <a:r>
-              <a:rPr lang="de-DE" sz="1200" dirty="0"/>
-              <a:t>NODE Properties</a:t>
-            </a:r>
-          </a:p>
-        </p:txBody>
-      </p:sp>
-      <p:sp>
-        <p:nvSpPr>
-          <p:cNvPr id="2" name="Textfeld 1">
-            <a:extLst>
-              <a:ext uri="{FF2B5EF4-FFF2-40B4-BE49-F238E27FC236}">
-                <a16:creationId xmlns:a16="http://schemas.microsoft.com/office/drawing/2014/main" id="{5CF64CCF-F05D-2684-0145-D7AAE35E3325}"/>
-              </a:ext>
-            </a:extLst>
-          </p:cNvPr>
-          <p:cNvSpPr txBox="1"/>
-          <p:nvPr/>
-        </p:nvSpPr>
-        <p:spPr>
-          <a:xfrm rot="781723">
-            <a:off x="5809866" y="463114"/>
-            <a:ext cx="1546718" cy="553998"/>
-          </a:xfrm>
-          <a:prstGeom prst="rect">
-            <a:avLst/>
-          </a:prstGeom>
-          <a:noFill/>
-        </p:spPr>
-        <p:txBody>
-          <a:bodyPr wrap="square" rtlCol="0">
-            <a:spAutoFit/>
-          </a:bodyPr>
-          <a:lstStyle/>
-          <a:p>
-            <a:r>
-              <a:rPr lang="de-DE" sz="3000" dirty="0">
-                <a:latin typeface="Fairwater Script" panose="020F0502020204030204" pitchFamily="34" charset="0"/>
-                <a:cs typeface="Fairwater Script" panose="020F0502020204030204" pitchFamily="34" charset="0"/>
-              </a:rPr>
-              <a:t>so </a:t>
-            </a:r>
-            <a:r>
-              <a:rPr lang="de-DE" sz="3000" dirty="0" err="1">
-                <a:latin typeface="Fairwater Script" panose="020F0502020204030204" pitchFamily="34" charset="0"/>
-                <a:cs typeface="Fairwater Script" panose="020F0502020204030204" pitchFamily="34" charset="0"/>
-              </a:rPr>
-              <a:t>far</a:t>
-            </a:r>
-            <a:r>
-              <a:rPr lang="de-DE" sz="3000" dirty="0">
-                <a:latin typeface="Fairwater Script" panose="020F0502020204030204" pitchFamily="34" charset="0"/>
-                <a:cs typeface="Fairwater Script" panose="020F0502020204030204" pitchFamily="34" charset="0"/>
-              </a:rPr>
-              <a:t>…</a:t>
+              <a:rPr lang="en-GB" sz="1200" dirty="0"/>
+              <a:t>NODE properties</a:t>
             </a:r>
           </a:p>
         </p:txBody>
@@ -6532,10 +5968,9 @@
           <a:p>
             <a:pPr algn="ctr"/>
             <a:r>
-              <a:rPr lang="de-DE" sz="1200" dirty="0" err="1"/>
+              <a:rPr lang="en-GB" sz="1200"/>
               <a:t>sentiment</a:t>
             </a:r>
-            <a:endParaRPr lang="de-DE" sz="1200" dirty="0"/>
           </a:p>
         </p:txBody>
       </p:sp>
@@ -6588,44 +6023,8 @@
           <a:p>
             <a:pPr algn="ctr"/>
             <a:r>
-              <a:rPr lang="de-DE" sz="1200" dirty="0" err="1"/>
-              <a:t>what</a:t>
-            </a:r>
-            <a:r>
-              <a:rPr lang="de-DE" sz="1200" dirty="0"/>
-              <a:t> </a:t>
-            </a:r>
-            <a:r>
-              <a:rPr lang="de-DE" sz="1200" dirty="0" err="1"/>
-              <a:t>are</a:t>
-            </a:r>
-            <a:r>
-              <a:rPr lang="de-DE" sz="1200" dirty="0"/>
-              <a:t> </a:t>
-            </a:r>
-            <a:r>
-              <a:rPr lang="de-DE" sz="1200" dirty="0" err="1"/>
-              <a:t>the</a:t>
-            </a:r>
-            <a:r>
-              <a:rPr lang="de-DE" sz="1200" dirty="0"/>
-              <a:t> different </a:t>
-            </a:r>
-            <a:r>
-              <a:rPr lang="de-DE" sz="1200" dirty="0" err="1"/>
-              <a:t>characters</a:t>
-            </a:r>
-            <a:r>
-              <a:rPr lang="de-DE" sz="1200" dirty="0"/>
-              <a:t> </a:t>
-            </a:r>
-            <a:r>
-              <a:rPr lang="de-DE" sz="1200" dirty="0" err="1"/>
-              <a:t>expressing</a:t>
-            </a:r>
-            <a:r>
-              <a:rPr lang="de-DE" sz="1200" dirty="0"/>
-              <a:t> </a:t>
+              <a:rPr lang="en-GB" sz="1200"/>
+              <a:t>what are the different characters expressing </a:t>
             </a:r>
           </a:p>
         </p:txBody>
@@ -6679,10 +6078,9 @@
           <a:p>
             <a:pPr algn="ctr"/>
             <a:r>
-              <a:rPr lang="de-DE" sz="1200" dirty="0" err="1"/>
+              <a:rPr lang="en-GB" sz="1200"/>
               <a:t>sentiment</a:t>
             </a:r>
-            <a:endParaRPr lang="de-DE" sz="1200" dirty="0"/>
           </a:p>
         </p:txBody>
       </p:sp>
@@ -6735,8 +6133,8 @@
           <a:p>
             <a:pPr algn="ctr"/>
             <a:r>
-              <a:rPr lang="de-DE" sz="1200" dirty="0"/>
-              <a:t>NETWORK Properties</a:t>
+              <a:rPr lang="en-GB" sz="1200" dirty="0"/>
+              <a:t>NETWORK properties</a:t>
             </a:r>
           </a:p>
         </p:txBody>
@@ -6792,119 +6190,56 @@
           <a:p>
             <a:pPr algn="ctr"/>
             <a:r>
-              <a:rPr lang="de-DE" sz="1200" dirty="0" err="1"/>
-              <a:t>complete</a:t>
-            </a:r>
-            <a:r>
-              <a:rPr lang="de-DE" sz="1200" dirty="0"/>
-              <a:t> </a:t>
-            </a:r>
-            <a:r>
-              <a:rPr lang="de-DE" sz="1200" dirty="0" err="1"/>
-              <a:t>process</a:t>
-            </a:r>
-            <a:endParaRPr lang="de-DE" sz="1200" dirty="0"/>
+              <a:rPr lang="en-GB" sz="1200" dirty="0"/>
+              <a:t>complete process</a:t>
+            </a:r>
           </a:p>
           <a:p>
             <a:pPr algn="ctr"/>
             <a:r>
-              <a:rPr lang="de-DE" sz="1200" dirty="0" err="1"/>
-              <a:t>result</a:t>
-            </a:r>
-            <a:r>
-              <a:rPr lang="de-DE" sz="1200" dirty="0"/>
-              <a:t>: </a:t>
-            </a:r>
-            <a:r>
-              <a:rPr lang="de-DE" sz="1200" dirty="0" err="1"/>
+              <a:rPr lang="en-GB" sz="1200" dirty="0"/>
+              <a:t>result: </a:t>
+            </a:r>
+            <a:r>
+              <a:rPr lang="en-GB" sz="1200" dirty="0" err="1"/>
               <a:t>analyzing</a:t>
             </a:r>
             <a:r>
-              <a:rPr lang="de-DE" sz="1200" dirty="0"/>
-              <a:t> </a:t>
-            </a:r>
-            <a:r>
-              <a:rPr lang="de-DE" sz="1200" dirty="0" err="1"/>
-              <a:t>scripts</a:t>
-            </a:r>
-            <a:endParaRPr lang="de-DE" sz="1200" dirty="0"/>
+              <a:rPr lang="en-GB" sz="1200" dirty="0"/>
+              <a:t> scripts</a:t>
+            </a:r>
           </a:p>
           <a:p>
             <a:pPr algn="ctr"/>
             <a:r>
-              <a:rPr lang="de-DE" sz="1200" dirty="0" err="1"/>
-              <a:t>result</a:t>
-            </a:r>
-            <a:r>
-              <a:rPr lang="de-DE" sz="1200" dirty="0"/>
-              <a:t>: </a:t>
-            </a:r>
-            <a:r>
-              <a:rPr lang="de-DE" sz="1200" dirty="0" err="1"/>
-              <a:t>gender</a:t>
-            </a:r>
-            <a:r>
-              <a:rPr lang="de-DE" sz="1200" dirty="0"/>
-              <a:t>/</a:t>
-            </a:r>
-            <a:r>
-              <a:rPr lang="de-DE" sz="1200" dirty="0" err="1"/>
-              <a:t>role</a:t>
-            </a:r>
-            <a:r>
-              <a:rPr lang="de-DE" sz="1200" dirty="0"/>
-              <a:t> </a:t>
-            </a:r>
-            <a:r>
-              <a:rPr lang="de-DE" sz="1200" dirty="0" err="1"/>
-              <a:t>script</a:t>
-            </a:r>
-            <a:endParaRPr lang="de-DE" sz="1200" dirty="0"/>
+              <a:rPr lang="en-GB" sz="1200" dirty="0"/>
+              <a:t>result: gender/role script</a:t>
+            </a:r>
           </a:p>
           <a:p>
             <a:pPr algn="ctr"/>
             <a:r>
-              <a:rPr lang="de-DE" sz="1200" dirty="0"/>
+              <a:rPr lang="en-GB" sz="1200" dirty="0"/>
               <a:t>…</a:t>
             </a:r>
           </a:p>
           <a:p>
             <a:pPr algn="ctr"/>
             <a:r>
-              <a:rPr lang="de-DE" sz="1200" dirty="0" err="1"/>
-              <a:t>calculation</a:t>
-            </a:r>
-            <a:r>
-              <a:rPr lang="de-DE" sz="1200" dirty="0"/>
-              <a:t> </a:t>
-            </a:r>
-            <a:r>
-              <a:rPr lang="de-DE" sz="1200" dirty="0" err="1"/>
-              <a:t>scripts</a:t>
-            </a:r>
-            <a:r>
-              <a:rPr lang="de-DE" sz="1200" dirty="0"/>
-              <a:t> (</a:t>
-            </a:r>
-            <a:r>
-              <a:rPr lang="de-DE" sz="1200" dirty="0" err="1"/>
-              <a:t>hypothesis</a:t>
-            </a:r>
-            <a:r>
-              <a:rPr lang="de-DE" sz="1200" dirty="0"/>
-              <a:t>)</a:t>
+              <a:rPr lang="en-GB" sz="1200" dirty="0"/>
+              <a:t>calculation scripts (hypotheses)</a:t>
             </a:r>
           </a:p>
           <a:p>
             <a:pPr algn="ctr"/>
             <a:r>
-              <a:rPr lang="de-DE" sz="1200" dirty="0"/>
+              <a:rPr lang="en-GB" sz="1200" dirty="0"/>
               <a:t>…</a:t>
             </a:r>
           </a:p>
           <a:p>
             <a:pPr algn="ctr"/>
-            <a:endParaRPr lang="de-DE" sz="1200" dirty="0"/>
+            <a:endParaRPr lang="en-GB" sz="1200" dirty="0"/>
           </a:p>
         </p:txBody>
       </p:sp>
@@ -6957,10 +6292,9 @@
           <a:p>
             <a:pPr algn="ctr"/>
             <a:r>
-              <a:rPr lang="de-DE" sz="1200" dirty="0" err="1"/>
+              <a:rPr lang="en-GB" sz="1200"/>
               <a:t>plots</a:t>
             </a:r>
-            <a:endParaRPr lang="de-DE" sz="1200" dirty="0"/>
           </a:p>
         </p:txBody>
       </p:sp>
@@ -7015,7 +6349,7 @@
           <a:lstStyle/>
           <a:p>
             <a:pPr algn="ctr"/>
-            <a:endParaRPr lang="de-DE" dirty="0"/>
+            <a:endParaRPr lang="en-GB"/>
           </a:p>
         </p:txBody>
       </p:sp>
@@ -7068,10 +6402,9 @@
           <a:p>
             <a:pPr algn="ctr"/>
             <a:r>
-              <a:rPr lang="de-DE" sz="1200" dirty="0" err="1"/>
+              <a:rPr lang="en-GB" sz="1200"/>
               <a:t>plots</a:t>
             </a:r>
-            <a:endParaRPr lang="de-DE" sz="1200" dirty="0"/>
           </a:p>
         </p:txBody>
       </p:sp>
@@ -7123,7 +6456,7 @@
           <a:lstStyle/>
           <a:p>
             <a:pPr algn="ctr"/>
-            <a:endParaRPr lang="de-DE"/>
+            <a:endParaRPr lang="en-GB"/>
           </a:p>
         </p:txBody>
       </p:sp>
@@ -7177,7 +6510,7 @@
           <a:lstStyle/>
           <a:p>
             <a:pPr algn="ctr"/>
-            <a:endParaRPr lang="de-DE"/>
+            <a:endParaRPr lang="en-GB"/>
           </a:p>
         </p:txBody>
       </p:sp>
@@ -7231,7 +6564,7 @@
           <a:lstStyle/>
           <a:p>
             <a:pPr algn="ctr"/>
-            <a:endParaRPr lang="de-DE"/>
+            <a:endParaRPr lang="en-GB"/>
           </a:p>
         </p:txBody>
       </p:sp>
@@ -7285,7 +6618,7 @@
           <a:lstStyle/>
           <a:p>
             <a:pPr algn="ctr"/>
-            <a:endParaRPr lang="de-DE"/>
+            <a:endParaRPr lang="en-GB"/>
           </a:p>
         </p:txBody>
       </p:sp>
@@ -7343,7 +6676,7 @@
           <a:lstStyle/>
           <a:p>
             <a:pPr algn="ctr"/>
-            <a:endParaRPr lang="de-DE"/>
+            <a:endParaRPr lang="en-GB"/>
           </a:p>
         </p:txBody>
       </p:sp>
@@ -7397,7 +6730,7 @@
           <a:lstStyle/>
           <a:p>
             <a:pPr algn="ctr"/>
-            <a:endParaRPr lang="de-DE"/>
+            <a:endParaRPr lang="en-GB"/>
           </a:p>
         </p:txBody>
       </p:sp>
@@ -7451,7 +6784,7 @@
           <a:lstStyle/>
           <a:p>
             <a:pPr algn="ctr"/>
-            <a:endParaRPr lang="de-DE"/>
+            <a:endParaRPr lang="en-GB"/>
           </a:p>
         </p:txBody>
       </p:sp>
@@ -7505,7 +6838,7 @@
           <a:lstStyle/>
           <a:p>
             <a:pPr algn="ctr"/>
-            <a:endParaRPr lang="de-DE"/>
+            <a:endParaRPr lang="en-GB"/>
           </a:p>
         </p:txBody>
       </p:sp>
@@ -7559,7 +6892,7 @@
           <a:lstStyle/>
           <a:p>
             <a:pPr algn="ctr"/>
-            <a:endParaRPr lang="de-DE"/>
+            <a:endParaRPr lang="en-GB"/>
           </a:p>
         </p:txBody>
       </p:sp>
@@ -7619,7 +6952,7 @@
           <a:lstStyle/>
           <a:p>
             <a:pPr algn="ctr"/>
-            <a:endParaRPr lang="de-DE"/>
+            <a:endParaRPr lang="en-GB"/>
           </a:p>
         </p:txBody>
       </p:sp>
@@ -7679,7 +7012,7 @@
           <a:lstStyle/>
           <a:p>
             <a:pPr algn="ctr"/>
-            <a:endParaRPr lang="de-DE"/>
+            <a:endParaRPr lang="en-GB"/>
           </a:p>
         </p:txBody>
       </p:sp>
@@ -7929,7 +7262,7 @@
           <a:lstStyle/>
           <a:p>
             <a:pPr algn="ctr"/>
-            <a:endParaRPr lang="de-DE"/>
+            <a:endParaRPr lang="en-GB"/>
           </a:p>
         </p:txBody>
       </p:sp>
@@ -7987,7 +7320,7 @@
           <a:lstStyle/>
           <a:p>
             <a:pPr algn="ctr"/>
-            <a:endParaRPr lang="de-DE"/>
+            <a:endParaRPr lang="en-GB"/>
           </a:p>
         </p:txBody>
       </p:sp>
@@ -8045,7 +7378,7 @@
           <a:lstStyle/>
           <a:p>
             <a:pPr algn="ctr"/>
-            <a:endParaRPr lang="de-DE"/>
+            <a:endParaRPr lang="en-GB"/>
           </a:p>
         </p:txBody>
       </p:sp>
@@ -8103,7 +7436,7 @@
           <a:lstStyle/>
           <a:p>
             <a:pPr algn="ctr"/>
-            <a:endParaRPr lang="de-DE"/>
+            <a:endParaRPr lang="en-GB"/>
           </a:p>
         </p:txBody>
       </p:sp>
@@ -8263,7 +7596,7 @@
           <a:lstStyle/>
           <a:p>
             <a:pPr algn="ctr"/>
-            <a:endParaRPr lang="de-DE"/>
+            <a:endParaRPr lang="en-GB"/>
           </a:p>
         </p:txBody>
       </p:sp>
@@ -8321,7 +7654,7 @@
           <a:lstStyle/>
           <a:p>
             <a:pPr algn="ctr"/>
-            <a:endParaRPr lang="de-DE"/>
+            <a:endParaRPr lang="en-GB"/>
           </a:p>
         </p:txBody>
       </p:sp>
@@ -8375,7 +7708,7 @@
           <a:lstStyle/>
           <a:p>
             <a:pPr algn="ctr"/>
-            <a:endParaRPr lang="de-DE"/>
+            <a:endParaRPr lang="en-GB"/>
           </a:p>
         </p:txBody>
       </p:sp>
@@ -8429,7 +7762,7 @@
           <a:lstStyle/>
           <a:p>
             <a:pPr algn="ctr"/>
-            <a:endParaRPr lang="de-DE"/>
+            <a:endParaRPr lang="en-GB"/>
           </a:p>
         </p:txBody>
       </p:sp>
@@ -8764,7 +8097,7 @@
           <a:lstStyle/>
           <a:p>
             <a:pPr algn="ctr"/>
-            <a:endParaRPr lang="de-DE"/>
+            <a:endParaRPr lang="en-GB"/>
           </a:p>
         </p:txBody>
       </p:sp>
@@ -8824,7 +8157,7 @@
           <a:lstStyle/>
           <a:p>
             <a:pPr algn="ctr"/>
-            <a:endParaRPr lang="de-DE"/>
+            <a:endParaRPr lang="en-GB"/>
           </a:p>
         </p:txBody>
       </p:sp>
@@ -8884,7 +8217,7 @@
           <a:lstStyle/>
           <a:p>
             <a:pPr algn="ctr"/>
-            <a:endParaRPr lang="de-DE"/>
+            <a:endParaRPr lang="en-GB"/>
           </a:p>
         </p:txBody>
       </p:sp>
@@ -8942,7 +8275,7 @@
           <a:lstStyle/>
           <a:p>
             <a:pPr algn="ctr"/>
-            <a:endParaRPr lang="de-DE"/>
+            <a:endParaRPr lang="en-GB"/>
           </a:p>
         </p:txBody>
       </p:sp>
@@ -9000,7 +8333,7 @@
           <a:lstStyle/>
           <a:p>
             <a:pPr algn="ctr"/>
-            <a:endParaRPr lang="de-DE"/>
+            <a:endParaRPr lang="en-GB"/>
           </a:p>
         </p:txBody>
       </p:sp>
@@ -9058,7 +8391,7 @@
           <a:lstStyle/>
           <a:p>
             <a:pPr algn="ctr"/>
-            <a:endParaRPr lang="de-DE"/>
+            <a:endParaRPr lang="en-GB"/>
           </a:p>
         </p:txBody>
       </p:sp>
@@ -9112,7 +8445,7 @@
           <a:lstStyle/>
           <a:p>
             <a:pPr algn="ctr"/>
-            <a:endParaRPr lang="de-DE"/>
+            <a:endParaRPr lang="en-GB"/>
           </a:p>
         </p:txBody>
       </p:sp>
@@ -9166,7 +8499,7 @@
           <a:lstStyle/>
           <a:p>
             <a:pPr algn="ctr"/>
-            <a:endParaRPr lang="de-DE"/>
+            <a:endParaRPr lang="en-GB"/>
           </a:p>
         </p:txBody>
       </p:sp>
@@ -9220,7 +8553,7 @@
           <a:lstStyle/>
           <a:p>
             <a:pPr algn="ctr"/>
-            <a:endParaRPr lang="de-DE"/>
+            <a:endParaRPr lang="en-GB"/>
           </a:p>
         </p:txBody>
       </p:sp>
@@ -9274,7 +8607,7 @@
           <a:lstStyle/>
           <a:p>
             <a:pPr algn="ctr"/>
-            <a:endParaRPr lang="de-DE"/>
+            <a:endParaRPr lang="en-GB"/>
           </a:p>
         </p:txBody>
       </p:sp>
@@ -9328,7 +8661,7 @@
           <a:lstStyle/>
           <a:p>
             <a:pPr algn="ctr"/>
-            <a:endParaRPr lang="de-DE"/>
+            <a:endParaRPr lang="en-GB"/>
           </a:p>
         </p:txBody>
       </p:sp>
@@ -9382,7 +8715,7 @@
           <a:lstStyle/>
           <a:p>
             <a:pPr algn="ctr"/>
-            <a:endParaRPr lang="de-DE"/>
+            <a:endParaRPr lang="en-GB"/>
           </a:p>
         </p:txBody>
       </p:sp>
@@ -9436,7 +8769,7 @@
           <a:lstStyle/>
           <a:p>
             <a:pPr algn="ctr"/>
-            <a:endParaRPr lang="de-DE"/>
+            <a:endParaRPr lang="en-GB"/>
           </a:p>
         </p:txBody>
       </p:sp>
@@ -9490,7 +8823,7 @@
           <a:lstStyle/>
           <a:p>
             <a:pPr algn="ctr"/>
-            <a:endParaRPr lang="de-DE"/>
+            <a:endParaRPr lang="en-GB"/>
           </a:p>
         </p:txBody>
       </p:sp>
@@ -9544,7 +8877,7 @@
           <a:lstStyle/>
           <a:p>
             <a:pPr algn="ctr"/>
-            <a:endParaRPr lang="de-DE"/>
+            <a:endParaRPr lang="en-GB"/>
           </a:p>
         </p:txBody>
       </p:sp>
@@ -9598,7 +8931,7 @@
           <a:lstStyle/>
           <a:p>
             <a:pPr algn="ctr"/>
-            <a:endParaRPr lang="de-DE"/>
+            <a:endParaRPr lang="en-GB"/>
           </a:p>
         </p:txBody>
       </p:sp>
@@ -9652,7 +8985,7 @@
           <a:lstStyle/>
           <a:p>
             <a:pPr algn="ctr"/>
-            <a:endParaRPr lang="de-DE"/>
+            <a:endParaRPr lang="en-GB"/>
           </a:p>
         </p:txBody>
       </p:sp>
@@ -9712,7 +9045,7 @@
           <a:lstStyle/>
           <a:p>
             <a:pPr algn="ctr"/>
-            <a:endParaRPr lang="de-DE"/>
+            <a:endParaRPr lang="en-GB"/>
           </a:p>
         </p:txBody>
       </p:sp>
@@ -9772,7 +9105,7 @@
           <a:lstStyle/>
           <a:p>
             <a:pPr algn="ctr"/>
-            <a:endParaRPr lang="de-DE"/>
+            <a:endParaRPr lang="en-GB"/>
           </a:p>
         </p:txBody>
       </p:sp>
@@ -9832,7 +9165,7 @@
           <a:lstStyle/>
           <a:p>
             <a:pPr algn="ctr"/>
-            <a:endParaRPr lang="de-DE"/>
+            <a:endParaRPr lang="en-GB"/>
           </a:p>
         </p:txBody>
       </p:sp>
@@ -9892,7 +9225,7 @@
           <a:lstStyle/>
           <a:p>
             <a:pPr algn="ctr"/>
-            <a:endParaRPr lang="de-DE"/>
+            <a:endParaRPr lang="en-GB"/>
           </a:p>
         </p:txBody>
       </p:sp>
@@ -9952,7 +9285,7 @@
           <a:lstStyle/>
           <a:p>
             <a:pPr algn="ctr"/>
-            <a:endParaRPr lang="de-DE"/>
+            <a:endParaRPr lang="en-GB"/>
           </a:p>
         </p:txBody>
       </p:sp>
@@ -10012,7 +9345,7 @@
           <a:lstStyle/>
           <a:p>
             <a:pPr algn="ctr"/>
-            <a:endParaRPr lang="de-DE"/>
+            <a:endParaRPr lang="en-GB"/>
           </a:p>
         </p:txBody>
       </p:sp>
@@ -10161,7 +9494,7 @@
           <a:lstStyle/>
           <a:p>
             <a:pPr algn="ctr"/>
-            <a:endParaRPr lang="de-DE" dirty="0"/>
+            <a:endParaRPr lang="en-GB"/>
           </a:p>
         </p:txBody>
       </p:sp>
@@ -10309,7 +9642,7 @@
           <a:lstStyle/>
           <a:p>
             <a:pPr algn="ctr"/>
-            <a:endParaRPr lang="de-DE"/>
+            <a:endParaRPr lang="en-GB"/>
           </a:p>
         </p:txBody>
       </p:sp>
@@ -10363,7 +9696,7 @@
           <a:lstStyle/>
           <a:p>
             <a:pPr algn="ctr"/>
-            <a:endParaRPr lang="de-DE"/>
+            <a:endParaRPr lang="en-GB"/>
           </a:p>
         </p:txBody>
       </p:sp>
@@ -10417,7 +9750,7 @@
           <a:lstStyle/>
           <a:p>
             <a:pPr algn="ctr"/>
-            <a:endParaRPr lang="de-DE"/>
+            <a:endParaRPr lang="en-GB"/>
           </a:p>
         </p:txBody>
       </p:sp>
@@ -10471,7 +9804,7 @@
           <a:lstStyle/>
           <a:p>
             <a:pPr algn="ctr"/>
-            <a:endParaRPr lang="de-DE"/>
+            <a:endParaRPr lang="en-GB"/>
           </a:p>
         </p:txBody>
       </p:sp>
